--- a/src/WebserviceConsumer/wwwroot/images/Docker Workflow.pptx
+++ b/src/WebserviceConsumer/wwwroot/images/Docker Workflow.pptx
@@ -2971,14 +2971,14 @@
       </p:grpSpPr>
       <p:sp>
         <p:nvSpPr>
-          <p:cNvPr id="43" name="Rectangle 42"/>
+          <p:cNvPr id="63" name="Rectangle 62"/>
           <p:cNvSpPr/>
           <p:nvPr/>
         </p:nvSpPr>
         <p:spPr>
           <a:xfrm>
-            <a:off x="707843" y="650142"/>
-            <a:ext cx="1083247" cy="1083247"/>
+            <a:off x="512385" y="5072601"/>
+            <a:ext cx="1249831" cy="1083247"/>
           </a:xfrm>
           <a:prstGeom prst="rect">
             <a:avLst/>
@@ -3022,13 +3022,18 @@
           <a:p>
             <a:pPr algn="ctr"/>
             <a:r>
-              <a:rPr lang="en-US" sz="1600" dirty="0" smtClean="0">
+              <a:rPr lang="en-US" sz="1400" dirty="0" smtClean="0">
                 <a:solidFill>
                   <a:schemeClr val="tx1"/>
                 </a:solidFill>
               </a:rPr>
-              <a:t>Developer</a:t>
-            </a:r>
+              <a:t>Administrator</a:t>
+            </a:r>
+            <a:endParaRPr lang="en-US" sz="1600" dirty="0" smtClean="0">
+              <a:solidFill>
+                <a:schemeClr val="tx1"/>
+              </a:solidFill>
+            </a:endParaRPr>
           </a:p>
           <a:p>
             <a:pPr algn="ctr"/>
@@ -3082,16 +3087,16 @@
       </p:sp>
       <p:sp>
         <p:nvSpPr>
-          <p:cNvPr id="33" name="Rounded Rectangle 32"/>
+          <p:cNvPr id="43" name="Rectangle 42"/>
           <p:cNvSpPr/>
           <p:nvPr/>
         </p:nvSpPr>
         <p:spPr>
           <a:xfrm>
-            <a:off x="5872084" y="4063355"/>
-            <a:ext cx="3168548" cy="2536228"/>
+            <a:off x="707843" y="650142"/>
+            <a:ext cx="1083247" cy="1083247"/>
           </a:xfrm>
-          <a:prstGeom prst="roundRect">
+          <a:prstGeom prst="rect">
             <a:avLst/>
           </a:prstGeom>
           <a:blipFill dpi="0" rotWithShape="1">
@@ -3107,6 +3112,9 @@
               <a:fillRect/>
             </a:stretch>
           </a:blipFill>
+          <a:ln>
+            <a:noFill/>
+          </a:ln>
         </p:spPr>
         <p:style>
           <a:lnRef idx="2">
@@ -3130,163 +3138,74 @@
           <a:p>
             <a:pPr algn="ctr"/>
             <a:r>
-              <a:rPr lang="en-US" dirty="0" smtClean="0">
+              <a:rPr lang="en-US" sz="1600" dirty="0" smtClean="0">
                 <a:solidFill>
                   <a:schemeClr val="tx1"/>
                 </a:solidFill>
               </a:rPr>
-              <a:t>Docker Swarm</a:t>
-            </a:r>
-          </a:p>
-          <a:p>
-            <a:pPr algn="ctr"/>
-            <a:endParaRPr lang="en-US" dirty="0" smtClean="0">
-              <a:solidFill>
-                <a:schemeClr val="tx1"/>
-              </a:solidFill>
-            </a:endParaRPr>
-          </a:p>
-          <a:p>
-            <a:pPr algn="ctr"/>
-            <a:endParaRPr lang="en-US" dirty="0">
-              <a:solidFill>
-                <a:schemeClr val="tx1"/>
-              </a:solidFill>
-            </a:endParaRPr>
-          </a:p>
-          <a:p>
-            <a:pPr algn="ctr"/>
-            <a:endParaRPr lang="en-US" dirty="0" smtClean="0">
-              <a:solidFill>
-                <a:schemeClr val="tx1"/>
-              </a:solidFill>
-            </a:endParaRPr>
-          </a:p>
-          <a:p>
-            <a:pPr algn="ctr"/>
-            <a:endParaRPr lang="en-US" dirty="0">
-              <a:solidFill>
-                <a:schemeClr val="tx1"/>
-              </a:solidFill>
-            </a:endParaRPr>
-          </a:p>
-          <a:p>
-            <a:pPr algn="ctr"/>
-            <a:endParaRPr lang="en-US" dirty="0" smtClean="0">
-              <a:solidFill>
-                <a:schemeClr val="tx1"/>
-              </a:solidFill>
-            </a:endParaRPr>
-          </a:p>
-          <a:p>
-            <a:pPr algn="ctr"/>
-            <a:endParaRPr lang="en-US" dirty="0">
-              <a:solidFill>
-                <a:schemeClr val="tx1"/>
-              </a:solidFill>
-            </a:endParaRPr>
-          </a:p>
-          <a:p>
-            <a:pPr algn="ctr"/>
-            <a:endParaRPr lang="en-US" dirty="0" smtClean="0">
-              <a:solidFill>
-                <a:schemeClr val="tx1"/>
-              </a:solidFill>
-            </a:endParaRPr>
-          </a:p>
-          <a:p>
-            <a:pPr algn="ctr"/>
-            <a:endParaRPr lang="en-US" dirty="0">
-              <a:solidFill>
-                <a:schemeClr val="tx1"/>
-              </a:solidFill>
-            </a:endParaRPr>
-          </a:p>
-          <a:p>
-            <a:pPr algn="ctr"/>
-            <a:endParaRPr lang="en-US" dirty="0" smtClean="0">
-              <a:solidFill>
-                <a:schemeClr val="tx1"/>
-              </a:solidFill>
-            </a:endParaRPr>
-          </a:p>
-          <a:p>
-            <a:pPr algn="ctr"/>
-            <a:endParaRPr lang="en-US" dirty="0">
-              <a:solidFill>
-                <a:schemeClr val="tx1"/>
-              </a:solidFill>
-            </a:endParaRPr>
-          </a:p>
-          <a:p>
-            <a:pPr algn="ctr"/>
-            <a:endParaRPr lang="en-SG" dirty="0">
-              <a:solidFill>
-                <a:schemeClr val="tx1"/>
-              </a:solidFill>
-            </a:endParaRPr>
-          </a:p>
-        </p:txBody>
-      </p:sp>
-      <p:sp>
-        <p:nvSpPr>
-          <p:cNvPr id="32" name="Rounded Rectangle 31"/>
+              <a:t>Developer</a:t>
+            </a:r>
+          </a:p>
+          <a:p>
+            <a:pPr algn="ctr"/>
+            <a:endParaRPr lang="en-US" sz="1600" dirty="0">
+              <a:solidFill>
+                <a:schemeClr val="tx1"/>
+              </a:solidFill>
+            </a:endParaRPr>
+          </a:p>
+          <a:p>
+            <a:pPr algn="ctr"/>
+            <a:endParaRPr lang="en-US" sz="1600" dirty="0" smtClean="0">
+              <a:solidFill>
+                <a:schemeClr val="tx1"/>
+              </a:solidFill>
+            </a:endParaRPr>
+          </a:p>
+          <a:p>
+            <a:pPr algn="ctr"/>
+            <a:endParaRPr lang="en-US" sz="1600" dirty="0">
+              <a:solidFill>
+                <a:schemeClr val="tx1"/>
+              </a:solidFill>
+            </a:endParaRPr>
+          </a:p>
+          <a:p>
+            <a:pPr algn="ctr"/>
+            <a:endParaRPr lang="en-US" sz="1600" dirty="0" smtClean="0">
+              <a:solidFill>
+                <a:schemeClr val="tx1"/>
+              </a:solidFill>
+            </a:endParaRPr>
+          </a:p>
+          <a:p>
+            <a:pPr algn="ctr"/>
+            <a:endParaRPr lang="en-US" sz="1600" dirty="0">
+              <a:solidFill>
+                <a:schemeClr val="tx1"/>
+              </a:solidFill>
+            </a:endParaRPr>
+          </a:p>
+          <a:p>
+            <a:pPr algn="ctr"/>
+            <a:endParaRPr lang="en-SG" sz="1600" dirty="0">
+              <a:solidFill>
+                <a:schemeClr val="tx1"/>
+              </a:solidFill>
+            </a:endParaRPr>
+          </a:p>
+        </p:txBody>
+      </p:sp>
+      <p:sp>
+        <p:nvSpPr>
+          <p:cNvPr id="33" name="Rounded Rectangle 32"/>
           <p:cNvSpPr/>
           <p:nvPr/>
         </p:nvSpPr>
         <p:spPr>
           <a:xfrm>
-            <a:off x="5882017" y="4071305"/>
-            <a:ext cx="3158615" cy="2528277"/>
-          </a:xfrm>
-          <a:prstGeom prst="roundRect">
-            <a:avLst/>
-          </a:prstGeom>
-          <a:solidFill>
-            <a:srgbClr val="F8F8F8">
-              <a:alpha val="89804"/>
-            </a:srgbClr>
-          </a:solidFill>
-        </p:spPr>
-        <p:style>
-          <a:lnRef idx="2">
-            <a:schemeClr val="accent1">
-              <a:shade val="50000"/>
-            </a:schemeClr>
-          </a:lnRef>
-          <a:fillRef idx="1">
-            <a:schemeClr val="accent1"/>
-          </a:fillRef>
-          <a:effectRef idx="0">
-            <a:schemeClr val="accent1"/>
-          </a:effectRef>
-          <a:fontRef idx="minor">
-            <a:schemeClr val="lt1"/>
-          </a:fontRef>
-        </p:style>
-        <p:txBody>
-          <a:bodyPr rtlCol="0" anchor="ctr"/>
-          <a:lstStyle/>
-          <a:p>
-            <a:pPr algn="ctr"/>
-            <a:endParaRPr lang="en-SG" dirty="0">
-              <a:solidFill>
-                <a:schemeClr val="tx1"/>
-              </a:solidFill>
-            </a:endParaRPr>
-          </a:p>
-        </p:txBody>
-      </p:sp>
-      <p:sp>
-        <p:nvSpPr>
-          <p:cNvPr id="2" name="Rounded Rectangle 1"/>
-          <p:cNvSpPr/>
-          <p:nvPr/>
-        </p:nvSpPr>
-        <p:spPr>
-          <a:xfrm>
-            <a:off x="1630016" y="723571"/>
-            <a:ext cx="1315940" cy="874643"/>
+            <a:off x="5872084" y="4063355"/>
+            <a:ext cx="3168548" cy="2536228"/>
           </a:xfrm>
           <a:prstGeom prst="roundRect">
             <a:avLst/>
@@ -3327,72 +3246,169 @@
           <a:p>
             <a:pPr algn="ctr"/>
             <a:r>
-              <a:rPr lang="en-US" sz="1600" dirty="0" smtClean="0">
+              <a:rPr lang="en-US" dirty="0" smtClean="0">
                 <a:solidFill>
                   <a:schemeClr val="tx1"/>
                 </a:solidFill>
               </a:rPr>
-              <a:t>Local Code</a:t>
-            </a:r>
-          </a:p>
-          <a:p>
-            <a:pPr algn="ctr"/>
-            <a:endParaRPr lang="en-US" sz="1600" dirty="0" smtClean="0">
-              <a:solidFill>
-                <a:schemeClr val="tx1"/>
-              </a:solidFill>
-            </a:endParaRPr>
-          </a:p>
-          <a:p>
-            <a:pPr algn="ctr"/>
-            <a:endParaRPr lang="en-US" sz="1600" dirty="0">
-              <a:solidFill>
-                <a:schemeClr val="tx1"/>
-              </a:solidFill>
-            </a:endParaRPr>
-          </a:p>
-          <a:p>
-            <a:pPr algn="ctr"/>
-            <a:endParaRPr lang="en-US" sz="1600" dirty="0" smtClean="0">
-              <a:solidFill>
-                <a:schemeClr val="tx1"/>
-              </a:solidFill>
-            </a:endParaRPr>
-          </a:p>
-          <a:p>
-            <a:pPr algn="ctr"/>
-            <a:endParaRPr lang="en-US" sz="1600" dirty="0" smtClean="0">
-              <a:solidFill>
-                <a:schemeClr val="tx1"/>
-              </a:solidFill>
-            </a:endParaRPr>
-          </a:p>
-          <a:p>
-            <a:pPr algn="ctr"/>
-            <a:endParaRPr lang="en-US" sz="1600" dirty="0">
-              <a:solidFill>
-                <a:schemeClr val="tx1"/>
-              </a:solidFill>
-            </a:endParaRPr>
-          </a:p>
-        </p:txBody>
-      </p:sp>
-      <p:sp>
-        <p:nvSpPr>
-          <p:cNvPr id="3" name="Rounded Rectangle 2"/>
+              <a:t>Docker Swarm</a:t>
+            </a:r>
+          </a:p>
+          <a:p>
+            <a:pPr algn="ctr"/>
+            <a:endParaRPr lang="en-US" dirty="0" smtClean="0">
+              <a:solidFill>
+                <a:schemeClr val="tx1"/>
+              </a:solidFill>
+            </a:endParaRPr>
+          </a:p>
+          <a:p>
+            <a:pPr algn="ctr"/>
+            <a:endParaRPr lang="en-US" dirty="0">
+              <a:solidFill>
+                <a:schemeClr val="tx1"/>
+              </a:solidFill>
+            </a:endParaRPr>
+          </a:p>
+          <a:p>
+            <a:pPr algn="ctr"/>
+            <a:endParaRPr lang="en-US" dirty="0" smtClean="0">
+              <a:solidFill>
+                <a:schemeClr val="tx1"/>
+              </a:solidFill>
+            </a:endParaRPr>
+          </a:p>
+          <a:p>
+            <a:pPr algn="ctr"/>
+            <a:endParaRPr lang="en-US" dirty="0">
+              <a:solidFill>
+                <a:schemeClr val="tx1"/>
+              </a:solidFill>
+            </a:endParaRPr>
+          </a:p>
+          <a:p>
+            <a:pPr algn="ctr"/>
+            <a:endParaRPr lang="en-US" dirty="0" smtClean="0">
+              <a:solidFill>
+                <a:schemeClr val="tx1"/>
+              </a:solidFill>
+            </a:endParaRPr>
+          </a:p>
+          <a:p>
+            <a:pPr algn="ctr"/>
+            <a:endParaRPr lang="en-US" dirty="0">
+              <a:solidFill>
+                <a:schemeClr val="tx1"/>
+              </a:solidFill>
+            </a:endParaRPr>
+          </a:p>
+          <a:p>
+            <a:pPr algn="ctr"/>
+            <a:endParaRPr lang="en-US" dirty="0" smtClean="0">
+              <a:solidFill>
+                <a:schemeClr val="tx1"/>
+              </a:solidFill>
+            </a:endParaRPr>
+          </a:p>
+          <a:p>
+            <a:pPr algn="ctr"/>
+            <a:endParaRPr lang="en-US" dirty="0">
+              <a:solidFill>
+                <a:schemeClr val="tx1"/>
+              </a:solidFill>
+            </a:endParaRPr>
+          </a:p>
+          <a:p>
+            <a:pPr algn="ctr"/>
+            <a:endParaRPr lang="en-US" dirty="0" smtClean="0">
+              <a:solidFill>
+                <a:schemeClr val="tx1"/>
+              </a:solidFill>
+            </a:endParaRPr>
+          </a:p>
+          <a:p>
+            <a:pPr algn="ctr"/>
+            <a:endParaRPr lang="en-US" dirty="0">
+              <a:solidFill>
+                <a:schemeClr val="tx1"/>
+              </a:solidFill>
+            </a:endParaRPr>
+          </a:p>
+          <a:p>
+            <a:pPr algn="ctr"/>
+            <a:endParaRPr lang="en-SG" dirty="0">
+              <a:solidFill>
+                <a:schemeClr val="tx1"/>
+              </a:solidFill>
+            </a:endParaRPr>
+          </a:p>
+        </p:txBody>
+      </p:sp>
+      <p:sp>
+        <p:nvSpPr>
+          <p:cNvPr id="32" name="Rounded Rectangle 31"/>
           <p:cNvSpPr/>
           <p:nvPr/>
         </p:nvSpPr>
         <p:spPr>
           <a:xfrm>
-            <a:off x="4426890" y="596348"/>
-            <a:ext cx="1315940" cy="1129087"/>
+            <a:off x="5882017" y="4071305"/>
+            <a:ext cx="3158615" cy="2528277"/>
+          </a:xfrm>
+          <a:prstGeom prst="roundRect">
+            <a:avLst/>
+          </a:prstGeom>
+          <a:solidFill>
+            <a:srgbClr val="F8F8F8">
+              <a:alpha val="89804"/>
+            </a:srgbClr>
+          </a:solidFill>
+        </p:spPr>
+        <p:style>
+          <a:lnRef idx="2">
+            <a:schemeClr val="accent1">
+              <a:shade val="50000"/>
+            </a:schemeClr>
+          </a:lnRef>
+          <a:fillRef idx="1">
+            <a:schemeClr val="accent1"/>
+          </a:fillRef>
+          <a:effectRef idx="0">
+            <a:schemeClr val="accent1"/>
+          </a:effectRef>
+          <a:fontRef idx="minor">
+            <a:schemeClr val="lt1"/>
+          </a:fontRef>
+        </p:style>
+        <p:txBody>
+          <a:bodyPr rtlCol="0" anchor="ctr"/>
+          <a:lstStyle/>
+          <a:p>
+            <a:pPr algn="ctr"/>
+            <a:endParaRPr lang="en-SG" dirty="0">
+              <a:solidFill>
+                <a:schemeClr val="tx1"/>
+              </a:solidFill>
+            </a:endParaRPr>
+          </a:p>
+        </p:txBody>
+      </p:sp>
+      <p:sp>
+        <p:nvSpPr>
+          <p:cNvPr id="2" name="Rounded Rectangle 1"/>
+          <p:cNvSpPr/>
+          <p:nvPr/>
+        </p:nvSpPr>
+        <p:spPr>
+          <a:xfrm>
+            <a:off x="1630016" y="723571"/>
+            <a:ext cx="1315940" cy="874643"/>
           </a:xfrm>
           <a:prstGeom prst="roundRect">
             <a:avLst/>
           </a:prstGeom>
           <a:blipFill dpi="0" rotWithShape="1">
-            <a:blip r:embed="rId5">
+            <a:blip r:embed="rId5" cstate="print">
               <a:extLst>
                 <a:ext uri="{28A0092B-C50C-407E-A947-70E740481C1C}">
                   <a14:useLocalDpi xmlns:a14="http://schemas.microsoft.com/office/drawing/2010/main" val="0"/>
@@ -3432,7 +3448,7 @@
                   <a:schemeClr val="tx1"/>
                 </a:solidFill>
               </a:rPr>
-              <a:t>Source Control</a:t>
+              <a:t>Local Code</a:t>
             </a:r>
           </a:p>
           <a:p>
@@ -3461,47 +3477,31 @@
           </a:p>
           <a:p>
             <a:pPr algn="ctr"/>
+            <a:endParaRPr lang="en-US" sz="1600" dirty="0" smtClean="0">
+              <a:solidFill>
+                <a:schemeClr val="tx1"/>
+              </a:solidFill>
+            </a:endParaRPr>
+          </a:p>
+          <a:p>
+            <a:pPr algn="ctr"/>
             <a:endParaRPr lang="en-US" sz="1600" dirty="0">
               <a:solidFill>
                 <a:schemeClr val="tx1"/>
               </a:solidFill>
             </a:endParaRPr>
           </a:p>
-          <a:p>
-            <a:pPr algn="ctr"/>
-            <a:endParaRPr lang="en-US" sz="1600" dirty="0" smtClean="0">
-              <a:solidFill>
-                <a:schemeClr val="tx1"/>
-              </a:solidFill>
-            </a:endParaRPr>
-          </a:p>
-          <a:p>
-            <a:pPr algn="ctr"/>
-            <a:endParaRPr lang="en-US" sz="1600" dirty="0">
-              <a:solidFill>
-                <a:schemeClr val="tx1"/>
-              </a:solidFill>
-            </a:endParaRPr>
-          </a:p>
-          <a:p>
-            <a:pPr algn="ctr"/>
-            <a:endParaRPr lang="en-US" sz="1600" dirty="0" smtClean="0">
-              <a:solidFill>
-                <a:schemeClr val="tx1"/>
-              </a:solidFill>
-            </a:endParaRPr>
-          </a:p>
-        </p:txBody>
-      </p:sp>
-      <p:sp>
-        <p:nvSpPr>
-          <p:cNvPr id="4" name="Rounded Rectangle 3"/>
+        </p:txBody>
+      </p:sp>
+      <p:sp>
+        <p:nvSpPr>
+          <p:cNvPr id="3" name="Rounded Rectangle 2"/>
           <p:cNvSpPr/>
           <p:nvPr/>
         </p:nvSpPr>
         <p:spPr>
           <a:xfrm>
-            <a:off x="7217791" y="588397"/>
+            <a:off x="4426890" y="596348"/>
             <a:ext cx="1315940" cy="1129087"/>
           </a:xfrm>
           <a:prstGeom prst="roundRect">
@@ -3543,13 +3543,16 @@
           <a:p>
             <a:pPr algn="ctr"/>
             <a:r>
-              <a:rPr lang="en-US" sz="1600" dirty="0" err="1" smtClean="0">
+              <a:rPr lang="en-US" sz="1600" dirty="0" smtClean="0">
                 <a:solidFill>
                   <a:schemeClr val="tx1"/>
                 </a:solidFill>
               </a:rPr>
-              <a:t>DockerHub</a:t>
-            </a:r>
+              <a:t>Source Control</a:t>
+            </a:r>
+          </a:p>
+          <a:p>
+            <a:pPr algn="ctr"/>
             <a:endParaRPr lang="en-US" sz="1600" dirty="0" smtClean="0">
               <a:solidFill>
                 <a:schemeClr val="tx1"/>
@@ -3608,20 +3611,20 @@
       </p:sp>
       <p:sp>
         <p:nvSpPr>
-          <p:cNvPr id="5" name="Rounded Rectangle 4"/>
+          <p:cNvPr id="4" name="Rounded Rectangle 3"/>
           <p:cNvSpPr/>
           <p:nvPr/>
         </p:nvSpPr>
         <p:spPr>
           <a:xfrm>
-            <a:off x="4649527" y="2776994"/>
-            <a:ext cx="870666" cy="636104"/>
+            <a:off x="7217791" y="588397"/>
+            <a:ext cx="1315940" cy="1129087"/>
           </a:xfrm>
           <a:prstGeom prst="roundRect">
             <a:avLst/>
           </a:prstGeom>
           <a:blipFill dpi="0" rotWithShape="1">
-            <a:blip r:embed="rId7" cstate="print">
+            <a:blip r:embed="rId7">
               <a:extLst>
                 <a:ext uri="{28A0092B-C50C-407E-A947-70E740481C1C}">
                   <a14:useLocalDpi xmlns:a14="http://schemas.microsoft.com/office/drawing/2010/main" val="0"/>
@@ -3656,13 +3659,18 @@
           <a:p>
             <a:pPr algn="ctr"/>
             <a:r>
-              <a:rPr lang="en-US" sz="1600" dirty="0" smtClean="0">
+              <a:rPr lang="en-US" sz="1600" dirty="0" err="1" smtClean="0">
                 <a:solidFill>
                   <a:schemeClr val="tx1"/>
                 </a:solidFill>
               </a:rPr>
-              <a:t>Docker Image</a:t>
-            </a:r>
+              <a:t>DockerHub</a:t>
+            </a:r>
+            <a:endParaRPr lang="en-US" sz="1600" dirty="0" smtClean="0">
+              <a:solidFill>
+                <a:schemeClr val="tx1"/>
+              </a:solidFill>
+            </a:endParaRPr>
           </a:p>
           <a:p>
             <a:pPr algn="ctr"/>
@@ -3698,6 +3706,14 @@
           </a:p>
           <a:p>
             <a:pPr algn="ctr"/>
+            <a:endParaRPr lang="en-US" sz="1600" dirty="0">
+              <a:solidFill>
+                <a:schemeClr val="tx1"/>
+              </a:solidFill>
+            </a:endParaRPr>
+          </a:p>
+          <a:p>
+            <a:pPr algn="ctr"/>
             <a:endParaRPr lang="en-US" sz="1600" dirty="0" smtClean="0">
               <a:solidFill>
                 <a:schemeClr val="tx1"/>
@@ -3708,14 +3724,14 @@
       </p:sp>
       <p:sp>
         <p:nvSpPr>
-          <p:cNvPr id="8" name="Rounded Rectangle 7"/>
+          <p:cNvPr id="5" name="Rounded Rectangle 4"/>
           <p:cNvSpPr/>
           <p:nvPr/>
         </p:nvSpPr>
         <p:spPr>
           <a:xfrm>
-            <a:off x="7977788" y="5808117"/>
-            <a:ext cx="901824" cy="599400"/>
+            <a:off x="4649527" y="2776994"/>
+            <a:ext cx="870666" cy="636104"/>
           </a:xfrm>
           <a:prstGeom prst="roundRect">
             <a:avLst/>
@@ -3756,13 +3772,24 @@
           <a:p>
             <a:pPr algn="ctr"/>
             <a:r>
-              <a:rPr lang="en-US" sz="1400" dirty="0" smtClean="0">
+              <a:rPr lang="en-US" sz="1600" dirty="0" smtClean="0">
                 <a:solidFill>
                   <a:schemeClr val="tx1"/>
                 </a:solidFill>
               </a:rPr>
-              <a:t>Worker</a:t>
-            </a:r>
+              <a:t>Docker Image</a:t>
+            </a:r>
+          </a:p>
+          <a:p>
+            <a:pPr algn="ctr"/>
+            <a:endParaRPr lang="en-US" sz="1600" dirty="0">
+              <a:solidFill>
+                <a:schemeClr val="tx1"/>
+              </a:solidFill>
+            </a:endParaRPr>
+          </a:p>
+          <a:p>
+            <a:pPr algn="ctr"/>
             <a:endParaRPr lang="en-US" sz="1600" dirty="0" smtClean="0">
               <a:solidFill>
                 <a:schemeClr val="tx1"/>
@@ -3787,14 +3814,6 @@
           </a:p>
           <a:p>
             <a:pPr algn="ctr"/>
-            <a:endParaRPr lang="en-US" sz="1600" dirty="0">
-              <a:solidFill>
-                <a:schemeClr val="tx1"/>
-              </a:solidFill>
-            </a:endParaRPr>
-          </a:p>
-          <a:p>
-            <a:pPr algn="ctr"/>
             <a:endParaRPr lang="en-US" sz="1600" dirty="0" smtClean="0">
               <a:solidFill>
                 <a:schemeClr val="tx1"/>
@@ -3805,20 +3824,20 @@
       </p:sp>
       <p:sp>
         <p:nvSpPr>
-          <p:cNvPr id="9" name="Rounded Rectangle 8"/>
+          <p:cNvPr id="8" name="Rounded Rectangle 7"/>
           <p:cNvSpPr/>
           <p:nvPr/>
         </p:nvSpPr>
         <p:spPr>
           <a:xfrm>
-            <a:off x="6076111" y="5806796"/>
+            <a:off x="7977788" y="5808117"/>
             <a:ext cx="901824" cy="599400"/>
           </a:xfrm>
           <a:prstGeom prst="roundRect">
             <a:avLst/>
           </a:prstGeom>
           <a:blipFill dpi="0" rotWithShape="1">
-            <a:blip r:embed="rId8" cstate="print">
+            <a:blip r:embed="rId9" cstate="print">
               <a:extLst>
                 <a:ext uri="{28A0092B-C50C-407E-A947-70E740481C1C}">
                   <a14:useLocalDpi xmlns:a14="http://schemas.microsoft.com/office/drawing/2010/main" val="0"/>
@@ -3868,6 +3887,103 @@
           </a:p>
           <a:p>
             <a:pPr algn="ctr"/>
+            <a:endParaRPr lang="en-US" sz="1600" dirty="0">
+              <a:solidFill>
+                <a:schemeClr val="tx1"/>
+              </a:solidFill>
+            </a:endParaRPr>
+          </a:p>
+          <a:p>
+            <a:pPr algn="ctr"/>
+            <a:endParaRPr lang="en-US" sz="1600" dirty="0" smtClean="0">
+              <a:solidFill>
+                <a:schemeClr val="tx1"/>
+              </a:solidFill>
+            </a:endParaRPr>
+          </a:p>
+          <a:p>
+            <a:pPr algn="ctr"/>
+            <a:endParaRPr lang="en-US" sz="1600" dirty="0">
+              <a:solidFill>
+                <a:schemeClr val="tx1"/>
+              </a:solidFill>
+            </a:endParaRPr>
+          </a:p>
+          <a:p>
+            <a:pPr algn="ctr"/>
+            <a:endParaRPr lang="en-US" sz="1600" dirty="0" smtClean="0">
+              <a:solidFill>
+                <a:schemeClr val="tx1"/>
+              </a:solidFill>
+            </a:endParaRPr>
+          </a:p>
+        </p:txBody>
+      </p:sp>
+      <p:sp>
+        <p:nvSpPr>
+          <p:cNvPr id="9" name="Rounded Rectangle 8"/>
+          <p:cNvSpPr/>
+          <p:nvPr/>
+        </p:nvSpPr>
+        <p:spPr>
+          <a:xfrm>
+            <a:off x="6076111" y="5806796"/>
+            <a:ext cx="901824" cy="599400"/>
+          </a:xfrm>
+          <a:prstGeom prst="roundRect">
+            <a:avLst/>
+          </a:prstGeom>
+          <a:blipFill dpi="0" rotWithShape="1">
+            <a:blip r:embed="rId9" cstate="print">
+              <a:extLst>
+                <a:ext uri="{28A0092B-C50C-407E-A947-70E740481C1C}">
+                  <a14:useLocalDpi xmlns:a14="http://schemas.microsoft.com/office/drawing/2010/main" val="0"/>
+                </a:ext>
+              </a:extLst>
+            </a:blip>
+            <a:srcRect/>
+            <a:stretch>
+              <a:fillRect/>
+            </a:stretch>
+          </a:blipFill>
+        </p:spPr>
+        <p:style>
+          <a:lnRef idx="2">
+            <a:schemeClr val="accent1">
+              <a:shade val="50000"/>
+            </a:schemeClr>
+          </a:lnRef>
+          <a:fillRef idx="1">
+            <a:schemeClr val="accent1"/>
+          </a:fillRef>
+          <a:effectRef idx="0">
+            <a:schemeClr val="accent1"/>
+          </a:effectRef>
+          <a:fontRef idx="minor">
+            <a:schemeClr val="lt1"/>
+          </a:fontRef>
+        </p:style>
+        <p:txBody>
+          <a:bodyPr rtlCol="0" anchor="ctr"/>
+          <a:lstStyle/>
+          <a:p>
+            <a:pPr algn="ctr"/>
+            <a:r>
+              <a:rPr lang="en-US" sz="1400" dirty="0" smtClean="0">
+                <a:solidFill>
+                  <a:schemeClr val="tx1"/>
+                </a:solidFill>
+              </a:rPr>
+              <a:t>Worker</a:t>
+            </a:r>
+            <a:endParaRPr lang="en-US" sz="1600" dirty="0" smtClean="0">
+              <a:solidFill>
+                <a:schemeClr val="tx1"/>
+              </a:solidFill>
+            </a:endParaRPr>
+          </a:p>
+          <a:p>
+            <a:pPr algn="ctr"/>
             <a:endParaRPr lang="en-US" sz="1600" dirty="0" smtClean="0">
               <a:solidFill>
                 <a:schemeClr val="tx1"/>
@@ -3915,7 +4031,7 @@
             <a:avLst/>
           </a:prstGeom>
           <a:blipFill dpi="0" rotWithShape="1">
-            <a:blip r:embed="rId8" cstate="print">
+            <a:blip r:embed="rId9" cstate="print">
               <a:extLst>
                 <a:ext uri="{28A0092B-C50C-407E-A947-70E740481C1C}">
                   <a14:useLocalDpi xmlns:a14="http://schemas.microsoft.com/office/drawing/2010/main" val="0"/>
@@ -4216,7 +4332,7 @@
             <a:avLst/>
           </a:prstGeom>
           <a:blipFill dpi="0" rotWithShape="1">
-            <a:blip r:embed="rId2" cstate="print">
+            <a:blip r:embed="rId3" cstate="print">
               <a:extLst>
                 <a:ext uri="{28A0092B-C50C-407E-A947-70E740481C1C}">
                   <a14:useLocalDpi xmlns:a14="http://schemas.microsoft.com/office/drawing/2010/main" val="0"/>
@@ -4397,6 +4513,166 @@
               <a:t>Expose endpoint</a:t>
             </a:r>
             <a:endParaRPr lang="en-SG" sz="1600" dirty="0"/>
+          </a:p>
+        </p:txBody>
+      </p:sp>
+      <p:sp>
+        <p:nvSpPr>
+          <p:cNvPr id="61" name="Rounded Rectangle 60"/>
+          <p:cNvSpPr/>
+          <p:nvPr/>
+        </p:nvSpPr>
+        <p:spPr>
+          <a:xfrm>
+            <a:off x="1677641" y="5039145"/>
+            <a:ext cx="1315940" cy="1256307"/>
+          </a:xfrm>
+          <a:prstGeom prst="roundRect">
+            <a:avLst/>
+          </a:prstGeom>
+          <a:blipFill dpi="0" rotWithShape="1">
+            <a:blip r:embed="rId10" cstate="print">
+              <a:extLst>
+                <a:ext uri="{28A0092B-C50C-407E-A947-70E740481C1C}">
+                  <a14:useLocalDpi xmlns:a14="http://schemas.microsoft.com/office/drawing/2010/main" val="0"/>
+                </a:ext>
+              </a:extLst>
+            </a:blip>
+            <a:srcRect/>
+            <a:stretch>
+              <a:fillRect/>
+            </a:stretch>
+          </a:blipFill>
+        </p:spPr>
+        <p:style>
+          <a:lnRef idx="2">
+            <a:schemeClr val="accent1">
+              <a:shade val="50000"/>
+            </a:schemeClr>
+          </a:lnRef>
+          <a:fillRef idx="1">
+            <a:schemeClr val="accent1"/>
+          </a:fillRef>
+          <a:effectRef idx="0">
+            <a:schemeClr val="accent1"/>
+          </a:effectRef>
+          <a:fontRef idx="minor">
+            <a:schemeClr val="lt1"/>
+          </a:fontRef>
+        </p:style>
+        <p:txBody>
+          <a:bodyPr rtlCol="0" anchor="ctr"/>
+          <a:lstStyle/>
+          <a:p>
+            <a:pPr algn="ctr"/>
+            <a:r>
+              <a:rPr lang="en-US" sz="1600" dirty="0" smtClean="0">
+                <a:solidFill>
+                  <a:schemeClr val="tx1"/>
+                </a:solidFill>
+              </a:rPr>
+              <a:t>Cloud Provider</a:t>
+            </a:r>
+          </a:p>
+          <a:p>
+            <a:pPr algn="ctr"/>
+            <a:endParaRPr lang="en-US" sz="1600" dirty="0" smtClean="0">
+              <a:solidFill>
+                <a:schemeClr val="tx1"/>
+              </a:solidFill>
+            </a:endParaRPr>
+          </a:p>
+          <a:p>
+            <a:pPr algn="ctr"/>
+            <a:endParaRPr lang="en-US" sz="1600" dirty="0">
+              <a:solidFill>
+                <a:schemeClr val="tx1"/>
+              </a:solidFill>
+            </a:endParaRPr>
+          </a:p>
+          <a:p>
+            <a:pPr algn="ctr"/>
+            <a:endParaRPr lang="en-US" sz="1600" dirty="0" smtClean="0">
+              <a:solidFill>
+                <a:schemeClr val="tx1"/>
+              </a:solidFill>
+            </a:endParaRPr>
+          </a:p>
+          <a:p>
+            <a:pPr algn="ctr"/>
+            <a:endParaRPr lang="en-US" sz="1600" dirty="0">
+              <a:solidFill>
+                <a:schemeClr val="tx1"/>
+              </a:solidFill>
+            </a:endParaRPr>
+          </a:p>
+          <a:p>
+            <a:pPr algn="ctr"/>
+            <a:endParaRPr lang="en-US" sz="1600" dirty="0" smtClean="0">
+              <a:solidFill>
+                <a:schemeClr val="tx1"/>
+              </a:solidFill>
+            </a:endParaRPr>
+          </a:p>
+          <a:p>
+            <a:pPr algn="ctr"/>
+            <a:endParaRPr lang="en-US" sz="1600" dirty="0">
+              <a:solidFill>
+                <a:schemeClr val="tx1"/>
+              </a:solidFill>
+            </a:endParaRPr>
+          </a:p>
+          <a:p>
+            <a:pPr algn="ctr"/>
+            <a:endParaRPr lang="en-US" sz="1600" dirty="0" smtClean="0">
+              <a:solidFill>
+                <a:schemeClr val="tx1"/>
+              </a:solidFill>
+            </a:endParaRPr>
+          </a:p>
+        </p:txBody>
+      </p:sp>
+      <p:sp>
+        <p:nvSpPr>
+          <p:cNvPr id="62" name="Right Arrow 61"/>
+          <p:cNvSpPr/>
+          <p:nvPr/>
+        </p:nvSpPr>
+        <p:spPr>
+          <a:xfrm>
+            <a:off x="3062572" y="5472489"/>
+            <a:ext cx="2680258" cy="389617"/>
+          </a:xfrm>
+          <a:prstGeom prst="rightArrow">
+            <a:avLst/>
+          </a:prstGeom>
+        </p:spPr>
+        <p:style>
+          <a:lnRef idx="2">
+            <a:schemeClr val="accent1">
+              <a:shade val="50000"/>
+            </a:schemeClr>
+          </a:lnRef>
+          <a:fillRef idx="1">
+            <a:schemeClr val="accent1"/>
+          </a:fillRef>
+          <a:effectRef idx="0">
+            <a:schemeClr val="accent1"/>
+          </a:effectRef>
+          <a:fontRef idx="minor">
+            <a:schemeClr val="lt1"/>
+          </a:fontRef>
+        </p:style>
+        <p:txBody>
+          <a:bodyPr rtlCol="0" anchor="ctr"/>
+          <a:lstStyle/>
+          <a:p>
+            <a:pPr algn="ctr"/>
+            <a:r>
+              <a:rPr lang="en-US" dirty="0" smtClean="0"/>
+              <a:t>Provision Swarm</a:t>
+            </a:r>
+            <a:endParaRPr lang="en-SG" dirty="0"/>
           </a:p>
         </p:txBody>
       </p:sp>
